--- a/amazon-final.pptx
+++ b/amazon-final.pptx
@@ -3276,7 +3276,7 @@
           <a:noFill/>
           <a:extLst>
             <a:ext uri="{909E8E84-426E-40dd-AFC4-6F175D3DCCD1}">
-              <a14:hiddenFill xmlns="" xmlns:a14="http://schemas.microsoft.com/office/drawing/2010/main">
+              <a14:hiddenFill xmlns:a14="http://schemas.microsoft.com/office/drawing/2010/main" xmlns="">
                 <a:solidFill>
                   <a:srgbClr val="FFFFFF"/>
                 </a:solidFill>
@@ -6205,7 +6205,7 @@
           <a:noFill/>
           <a:extLst>
             <a:ext uri="{909E8E84-426E-40dd-AFC4-6F175D3DCCD1}">
-              <a14:hiddenFill xmlns="" xmlns:a14="http://schemas.microsoft.com/office/drawing/2010/main">
+              <a14:hiddenFill xmlns:a14="http://schemas.microsoft.com/office/drawing/2010/main" xmlns="">
                 <a:solidFill>
                   <a:srgbClr val="FFFFFF"/>
                 </a:solidFill>
@@ -6960,7 +6960,7 @@
           <a:noFill/>
           <a:extLst>
             <a:ext uri="{909E8E84-426E-40dd-AFC4-6F175D3DCCD1}">
-              <a14:hiddenFill xmlns="" xmlns:a14="http://schemas.microsoft.com/office/drawing/2010/main">
+              <a14:hiddenFill xmlns:a14="http://schemas.microsoft.com/office/drawing/2010/main" xmlns="">
                 <a:solidFill>
                   <a:srgbClr val="FFFFFF"/>
                 </a:solidFill>
@@ -7035,7 +7035,7 @@
           <a:noFill/>
           <a:extLst>
             <a:ext uri="{909E8E84-426E-40dd-AFC4-6F175D3DCCD1}">
-              <a14:hiddenFill xmlns="" xmlns:a14="http://schemas.microsoft.com/office/drawing/2010/main">
+              <a14:hiddenFill xmlns:a14="http://schemas.microsoft.com/office/drawing/2010/main" xmlns="">
                 <a:solidFill>
                   <a:srgbClr val="FFFFFF"/>
                 </a:solidFill>
@@ -7640,7 +7640,15 @@
           <a:p>
             <a:r>
               <a:rPr lang="en-US" sz="2400" dirty="0"/>
-              <a:t>Hypothesis was supported by this dataset.</a:t>
+              <a:t>Hypothesis </a:t>
+            </a:r>
+            <a:r>
+              <a:rPr lang="en-US" sz="2400"/>
+              <a:t>was not supported </a:t>
+            </a:r>
+            <a:r>
+              <a:rPr lang="en-US" sz="2400" dirty="0"/>
+              <a:t>by this dataset.</a:t>
             </a:r>
           </a:p>
           <a:p>

--- a/amazon-final.pptx
+++ b/amazon-final.pptx
@@ -3276,7 +3276,7 @@
           <a:noFill/>
           <a:extLst>
             <a:ext uri="{909E8E84-426E-40dd-AFC4-6F175D3DCCD1}">
-              <a14:hiddenFill xmlns:a14="http://schemas.microsoft.com/office/drawing/2010/main" xmlns="">
+              <a14:hiddenFill xmlns="" xmlns:a14="http://schemas.microsoft.com/office/drawing/2010/main">
                 <a:solidFill>
                   <a:srgbClr val="FFFFFF"/>
                 </a:solidFill>
@@ -3396,7 +3396,7 @@
         </p:blipFill>
         <p:spPr>
           <a:xfrm>
-            <a:off x="-11043" y="1964423"/>
+            <a:off x="10160" y="2148684"/>
             <a:ext cx="12181840" cy="4893577"/>
           </a:xfrm>
           <a:prstGeom prst="rect">
@@ -3861,12 +3861,14 @@
         </p:nvSpPr>
         <p:spPr>
           <a:xfrm>
-            <a:off x="1219200" y="1981200"/>
-            <a:ext cx="3936555" cy="3593592"/>
-          </a:xfrm>
-        </p:spPr>
-        <p:txBody>
-          <a:bodyPr/>
+            <a:off x="1219200" y="1981199"/>
+            <a:ext cx="3936555" cy="3984821"/>
+          </a:xfrm>
+        </p:spPr>
+        <p:txBody>
+          <a:bodyPr>
+            <a:normAutofit fontScale="92500"/>
+          </a:bodyPr>
           <a:lstStyle/>
           <a:p>
             <a:r>
@@ -3884,19 +3886,71 @@
             <a:pPr lvl="1"/>
             <a:r>
               <a:rPr lang="en-US" sz="2400" dirty="0"/>
-              <a:t>increased sales from April to August</a:t>
+              <a:t>Increased sales from April to July. </a:t>
             </a:r>
           </a:p>
           <a:p>
             <a:pPr lvl="1"/>
             <a:r>
               <a:rPr lang="en-US" sz="2400" dirty="0"/>
-              <a:t>Another is in December</a:t>
-            </a:r>
-            <a:endParaRPr lang="en-US" sz="2200" dirty="0"/>
+              <a:t>Another is from September to December</a:t>
+            </a:r>
+          </a:p>
+          <a:p>
+            <a:r>
+              <a:rPr lang="en-US" sz="2400" dirty="0"/>
+              <a:t>3 peaks</a:t>
+            </a:r>
           </a:p>
           <a:p>
             <a:pPr lvl="1"/>
+            <a:r>
+              <a:rPr lang="en-US" sz="2200" dirty="0"/>
+              <a:t>1</a:t>
+            </a:r>
+            <a:r>
+              <a:rPr lang="en-US" sz="2200" baseline="30000" dirty="0"/>
+              <a:t>st</a:t>
+            </a:r>
+            <a:r>
+              <a:rPr lang="en-US" sz="2200" dirty="0"/>
+              <a:t> peak is May</a:t>
+            </a:r>
+          </a:p>
+          <a:p>
+            <a:pPr lvl="1"/>
+            <a:r>
+              <a:rPr lang="en-US" sz="2200" dirty="0"/>
+              <a:t>2</a:t>
+            </a:r>
+            <a:r>
+              <a:rPr lang="en-US" sz="2200" baseline="30000" dirty="0"/>
+              <a:t>nd</a:t>
+            </a:r>
+            <a:r>
+              <a:rPr lang="en-US" sz="2200" dirty="0"/>
+              <a:t> peak is July</a:t>
+            </a:r>
+          </a:p>
+          <a:p>
+            <a:pPr lvl="1"/>
+            <a:r>
+              <a:rPr lang="en-US" sz="2200" dirty="0"/>
+              <a:t>3</a:t>
+            </a:r>
+            <a:r>
+              <a:rPr lang="en-US" sz="2200" baseline="30000" dirty="0"/>
+              <a:t>rd</a:t>
+            </a:r>
+            <a:r>
+              <a:rPr lang="en-US" sz="2200" dirty="0"/>
+              <a:t> peak is December</a:t>
+            </a:r>
+          </a:p>
+          <a:p>
+            <a:pPr marL="320040" lvl="1" indent="0">
+              <a:buNone/>
+            </a:pPr>
             <a:endParaRPr lang="en-US" sz="3200" dirty="0"/>
           </a:p>
           <a:p>
@@ -4200,7 +4254,7 @@
           <a:p>
             <a:r>
               <a:rPr lang="en-US" sz="2400" dirty="0"/>
-              <a:t>The sales is boosted during the summer, from June to August.</a:t>
+              <a:t>The sales are boosted in May and July.</a:t>
             </a:r>
           </a:p>
           <a:p>
@@ -4251,11 +4305,47 @@
         </p:blipFill>
         <p:spPr>
           <a:xfrm>
-            <a:off x="4944091" y="1193531"/>
+            <a:off x="4944091" y="1206625"/>
             <a:ext cx="7075933" cy="5473600"/>
           </a:xfrm>
         </p:spPr>
       </p:pic>
+      <p:cxnSp>
+        <p:nvCxnSpPr>
+          <p:cNvPr id="3" name="Straight Arrow Connector 2"/>
+          <p:cNvCxnSpPr/>
+          <p:nvPr/>
+        </p:nvCxnSpPr>
+        <p:spPr>
+          <a:xfrm flipV="1">
+            <a:off x="7017354" y="3168756"/>
+            <a:ext cx="693881" cy="1466532"/>
+          </a:xfrm>
+          <a:prstGeom prst="straightConnector1">
+            <a:avLst/>
+          </a:prstGeom>
+          <a:ln>
+            <a:solidFill>
+              <a:schemeClr val="accent2"/>
+            </a:solidFill>
+            <a:tailEnd type="arrow"/>
+          </a:ln>
+        </p:spPr>
+        <p:style>
+          <a:lnRef idx="2">
+            <a:schemeClr val="accent1"/>
+          </a:lnRef>
+          <a:fillRef idx="0">
+            <a:schemeClr val="accent1"/>
+          </a:fillRef>
+          <a:effectRef idx="1">
+            <a:schemeClr val="accent1"/>
+          </a:effectRef>
+          <a:fontRef idx="minor">
+            <a:schemeClr val="tx1"/>
+          </a:fontRef>
+        </p:style>
+      </p:cxnSp>
     </p:spTree>
     <p:extLst>
       <p:ext uri="{BB962C8B-B14F-4D97-AF65-F5344CB8AC3E}">
@@ -4323,7 +4413,7 @@
             <a:pPr lvl="1"/>
             <a:r>
               <a:rPr lang="en-US" sz="2400" dirty="0"/>
-              <a:t>clear trend of Christmas season.</a:t>
+              <a:t>Clear trend of Christmas season.</a:t>
             </a:r>
           </a:p>
           <a:p>
@@ -4690,7 +4780,7 @@
           <a:p>
             <a:r>
               <a:rPr lang="en-US" sz="2400" dirty="0"/>
-              <a:t>contribute the sale boost during the spring and summer season.</a:t>
+              <a:t>The summer items contribute the boost during the spring and summer.</a:t>
             </a:r>
           </a:p>
           <a:p>
@@ -4976,7 +5066,7 @@
             <a:pPr lvl="1"/>
             <a:r>
               <a:rPr lang="en-US" sz="2800" dirty="0"/>
-              <a:t>The sales is also high in Spring, and started from the end of the winter.</a:t>
+              <a:t>The sales is also high in spring and started from the end of the winter.</a:t>
             </a:r>
           </a:p>
           <a:p>
@@ -6205,7 +6295,7 @@
           <a:noFill/>
           <a:extLst>
             <a:ext uri="{909E8E84-426E-40dd-AFC4-6F175D3DCCD1}">
-              <a14:hiddenFill xmlns:a14="http://schemas.microsoft.com/office/drawing/2010/main" xmlns="">
+              <a14:hiddenFill xmlns="" xmlns:a14="http://schemas.microsoft.com/office/drawing/2010/main">
                 <a:solidFill>
                   <a:srgbClr val="FFFFFF"/>
                 </a:solidFill>
@@ -6960,7 +7050,7 @@
           <a:noFill/>
           <a:extLst>
             <a:ext uri="{909E8E84-426E-40dd-AFC4-6F175D3DCCD1}">
-              <a14:hiddenFill xmlns:a14="http://schemas.microsoft.com/office/drawing/2010/main" xmlns="">
+              <a14:hiddenFill xmlns="" xmlns:a14="http://schemas.microsoft.com/office/drawing/2010/main">
                 <a:solidFill>
                   <a:srgbClr val="FFFFFF"/>
                 </a:solidFill>
@@ -7035,7 +7125,7 @@
           <a:noFill/>
           <a:extLst>
             <a:ext uri="{909E8E84-426E-40dd-AFC4-6F175D3DCCD1}">
-              <a14:hiddenFill xmlns:a14="http://schemas.microsoft.com/office/drawing/2010/main" xmlns="">
+              <a14:hiddenFill xmlns="" xmlns:a14="http://schemas.microsoft.com/office/drawing/2010/main">
                 <a:solidFill>
                   <a:srgbClr val="FFFFFF"/>
                 </a:solidFill>
